--- a/Illegal_Possession_Images/HTTP_tshark_Forensics_1_SYN_Flood.pptx
+++ b/Illegal_Possession_Images/HTTP_tshark_Forensics_1_SYN_Flood.pptx
@@ -140,7 +140,7 @@
   <pc:docChgLst>
     <pc:chgData name="Weifeng Xu" userId="e7aed605-a3dd-4d5a-a692-a87037af107b" providerId="ADAL" clId="{B92A65E5-EB89-4D74-B72B-D0AF583941DA}"/>
     <pc:docChg chg="undo custSel addSld delSld modSld sldOrd">
-      <pc:chgData name="Weifeng Xu" userId="e7aed605-a3dd-4d5a-a692-a87037af107b" providerId="ADAL" clId="{B92A65E5-EB89-4D74-B72B-D0AF583941DA}" dt="2023-02-06T21:45:07.145" v="1141" actId="1076"/>
+      <pc:chgData name="Weifeng Xu" userId="e7aed605-a3dd-4d5a-a692-a87037af107b" providerId="ADAL" clId="{B92A65E5-EB89-4D74-B72B-D0AF583941DA}" dt="2023-02-13T15:41:06.981" v="1245" actId="14100"/>
       <pc:docMkLst>
         <pc:docMk/>
       </pc:docMkLst>
@@ -571,7 +571,7 @@
         </pc:sldMkLst>
       </pc:sldChg>
       <pc:sldChg chg="addSp delSp modSp new mod modClrScheme chgLayout modNotesTx">
-        <pc:chgData name="Weifeng Xu" userId="e7aed605-a3dd-4d5a-a692-a87037af107b" providerId="ADAL" clId="{B92A65E5-EB89-4D74-B72B-D0AF583941DA}" dt="2023-02-06T21:31:59.261" v="706" actId="1076"/>
+        <pc:chgData name="Weifeng Xu" userId="e7aed605-a3dd-4d5a-a692-a87037af107b" providerId="ADAL" clId="{B92A65E5-EB89-4D74-B72B-D0AF583941DA}" dt="2023-02-13T15:35:17.998" v="1187" actId="1076"/>
         <pc:sldMkLst>
           <pc:docMk/>
           <pc:sldMk cId="668862291" sldId="457"/>
@@ -614,6 +614,14 @@
             <pc:docMk/>
             <pc:sldMk cId="668862291" sldId="457"/>
             <ac:spMk id="6" creationId="{46CECC93-9C24-2D41-15E2-B8BCE78DCE88}"/>
+          </ac:spMkLst>
+        </pc:spChg>
+        <pc:spChg chg="add mod">
+          <ac:chgData name="Weifeng Xu" userId="e7aed605-a3dd-4d5a-a692-a87037af107b" providerId="ADAL" clId="{B92A65E5-EB89-4D74-B72B-D0AF583941DA}" dt="2023-02-13T15:35:17.998" v="1187" actId="1076"/>
+          <ac:spMkLst>
+            <pc:docMk/>
+            <pc:sldMk cId="668862291" sldId="457"/>
+            <ac:spMk id="8" creationId="{23241BC3-6AC5-5B7F-15F3-B9DDE4650146}"/>
           </ac:spMkLst>
         </pc:spChg>
         <pc:spChg chg="add del mod">
@@ -850,7 +858,7 @@
         </pc:picChg>
       </pc:sldChg>
       <pc:sldChg chg="addSp modSp new mod">
-        <pc:chgData name="Weifeng Xu" userId="e7aed605-a3dd-4d5a-a692-a87037af107b" providerId="ADAL" clId="{B92A65E5-EB89-4D74-B72B-D0AF583941DA}" dt="2023-02-06T21:45:07.145" v="1141" actId="1076"/>
+        <pc:chgData name="Weifeng Xu" userId="e7aed605-a3dd-4d5a-a692-a87037af107b" providerId="ADAL" clId="{B92A65E5-EB89-4D74-B72B-D0AF583941DA}" dt="2023-02-13T15:41:06.981" v="1245" actId="14100"/>
         <pc:sldMkLst>
           <pc:docMk/>
           <pc:sldMk cId="711315930" sldId="466"/>
@@ -864,7 +872,7 @@
           </ac:spMkLst>
         </pc:spChg>
         <pc:spChg chg="add mod">
-          <ac:chgData name="Weifeng Xu" userId="e7aed605-a3dd-4d5a-a692-a87037af107b" providerId="ADAL" clId="{B92A65E5-EB89-4D74-B72B-D0AF583941DA}" dt="2023-02-06T21:45:07.145" v="1141" actId="1076"/>
+          <ac:chgData name="Weifeng Xu" userId="e7aed605-a3dd-4d5a-a692-a87037af107b" providerId="ADAL" clId="{B92A65E5-EB89-4D74-B72B-D0AF583941DA}" dt="2023-02-13T15:41:06.981" v="1245" actId="14100"/>
           <ac:spMkLst>
             <pc:docMk/>
             <pc:sldMk cId="711315930" sldId="466"/>
@@ -5429,7 +5437,7 @@
           <a:p>
             <a:fld id="{EE41F6E3-57F9-402E-BDBA-5B2DE11C8530}" type="datetimeFigureOut">
               <a:rPr lang="en-US" smtClean="0"/>
-              <a:t>2/6/2023</a:t>
+              <a:t>2/13/2023</a:t>
             </a:fld>
             <a:endParaRPr lang="en-US"/>
           </a:p>
@@ -6551,7 +6559,7 @@
           <a:p>
             <a:fld id="{4263717A-E3C1-4BED-ABE0-B7069385E023}" type="datetimeFigureOut">
               <a:rPr lang="en-US" smtClean="0"/>
-              <a:t>2/6/2023</a:t>
+              <a:t>2/13/2023</a:t>
             </a:fld>
             <a:endParaRPr lang="en-US"/>
           </a:p>
@@ -6724,7 +6732,7 @@
           <a:p>
             <a:fld id="{4263717A-E3C1-4BED-ABE0-B7069385E023}" type="datetimeFigureOut">
               <a:rPr lang="en-US" smtClean="0"/>
-              <a:t>2/6/2023</a:t>
+              <a:t>2/13/2023</a:t>
             </a:fld>
             <a:endParaRPr lang="en-US"/>
           </a:p>
@@ -6902,7 +6910,7 @@
           <a:p>
             <a:fld id="{4263717A-E3C1-4BED-ABE0-B7069385E023}" type="datetimeFigureOut">
               <a:rPr lang="en-US" smtClean="0"/>
-              <a:t>2/6/2023</a:t>
+              <a:t>2/13/2023</a:t>
             </a:fld>
             <a:endParaRPr lang="en-US"/>
           </a:p>
@@ -7070,7 +7078,7 @@
           <a:p>
             <a:fld id="{4263717A-E3C1-4BED-ABE0-B7069385E023}" type="datetimeFigureOut">
               <a:rPr lang="en-US" smtClean="0"/>
-              <a:t>2/6/2023</a:t>
+              <a:t>2/13/2023</a:t>
             </a:fld>
             <a:endParaRPr lang="en-US"/>
           </a:p>
@@ -7315,7 +7323,7 @@
           <a:p>
             <a:fld id="{4263717A-E3C1-4BED-ABE0-B7069385E023}" type="datetimeFigureOut">
               <a:rPr lang="en-US" smtClean="0"/>
-              <a:t>2/6/2023</a:t>
+              <a:t>2/13/2023</a:t>
             </a:fld>
             <a:endParaRPr lang="en-US"/>
           </a:p>
@@ -7544,7 +7552,7 @@
           <a:p>
             <a:fld id="{4263717A-E3C1-4BED-ABE0-B7069385E023}" type="datetimeFigureOut">
               <a:rPr lang="en-US" smtClean="0"/>
-              <a:t>2/6/2023</a:t>
+              <a:t>2/13/2023</a:t>
             </a:fld>
             <a:endParaRPr lang="en-US"/>
           </a:p>
@@ -7908,7 +7916,7 @@
           <a:p>
             <a:fld id="{4263717A-E3C1-4BED-ABE0-B7069385E023}" type="datetimeFigureOut">
               <a:rPr lang="en-US" smtClean="0"/>
-              <a:t>2/6/2023</a:t>
+              <a:t>2/13/2023</a:t>
             </a:fld>
             <a:endParaRPr lang="en-US"/>
           </a:p>
@@ -8025,7 +8033,7 @@
           <a:p>
             <a:fld id="{4263717A-E3C1-4BED-ABE0-B7069385E023}" type="datetimeFigureOut">
               <a:rPr lang="en-US" smtClean="0"/>
-              <a:t>2/6/2023</a:t>
+              <a:t>2/13/2023</a:t>
             </a:fld>
             <a:endParaRPr lang="en-US"/>
           </a:p>
@@ -8120,7 +8128,7 @@
           <a:p>
             <a:fld id="{4263717A-E3C1-4BED-ABE0-B7069385E023}" type="datetimeFigureOut">
               <a:rPr lang="en-US" smtClean="0"/>
-              <a:t>2/6/2023</a:t>
+              <a:t>2/13/2023</a:t>
             </a:fld>
             <a:endParaRPr lang="en-US"/>
           </a:p>
@@ -8395,7 +8403,7 @@
           <a:p>
             <a:fld id="{4263717A-E3C1-4BED-ABE0-B7069385E023}" type="datetimeFigureOut">
               <a:rPr lang="en-US" smtClean="0"/>
-              <a:t>2/6/2023</a:t>
+              <a:t>2/13/2023</a:t>
             </a:fld>
             <a:endParaRPr lang="en-US"/>
           </a:p>
@@ -8647,7 +8655,7 @@
           <a:p>
             <a:fld id="{4263717A-E3C1-4BED-ABE0-B7069385E023}" type="datetimeFigureOut">
               <a:rPr lang="en-US" smtClean="0"/>
-              <a:t>2/6/2023</a:t>
+              <a:t>2/13/2023</a:t>
             </a:fld>
             <a:endParaRPr lang="en-US"/>
           </a:p>
@@ -8858,7 +8866,7 @@
           <a:p>
             <a:fld id="{4263717A-E3C1-4BED-ABE0-B7069385E023}" type="datetimeFigureOut">
               <a:rPr lang="en-US" smtClean="0"/>
-              <a:t>2/6/2023</a:t>
+              <a:t>2/13/2023</a:t>
             </a:fld>
             <a:endParaRPr lang="en-US"/>
           </a:p>
@@ -9938,8 +9946,8 @@
         </p:nvSpPr>
         <p:spPr>
           <a:xfrm>
-            <a:off x="738107" y="5167110"/>
-            <a:ext cx="9583764" cy="584775"/>
+            <a:off x="738106" y="5167110"/>
+            <a:ext cx="10180449" cy="830997"/>
           </a:xfrm>
           <a:prstGeom prst="rect">
             <a:avLst/>
@@ -9958,11 +9966,19 @@
               </a:rPr>
               <a:t>You can download the captured packets here </a:t>
             </a:r>
+          </a:p>
+          <a:p>
+            <a:r>
+              <a:rPr lang="en-US" sz="1600" dirty="0" err="1">
+                <a:latin typeface="OCRB" panose="020B0609020202020204" pitchFamily="49" charset="0"/>
+              </a:rPr>
+              <a:t>wget</a:t>
+            </a:r>
             <a:r>
               <a:rPr lang="en-US" sz="1600" dirty="0">
                 <a:latin typeface="OCRB" panose="020B0609020202020204" pitchFamily="49" charset="0"/>
               </a:rPr>
-              <a:t>https://github.com/frankwxu/digital-forensics-lab/tree/main/Illegal_Possession_Images/lab_files/SYN_Flood</a:t>
+              <a:t> https://raw.githubusercontent.com/frankwxu/digital-forensics-lab/main/Illegal_Possession_Images/lab_files/SYN_Flood/mySYNFloodCapture.pcap</a:t>
             </a:r>
           </a:p>
         </p:txBody>
@@ -13246,6 +13262,48 @@
               <a:rPr lang="en-US" sz="1050" dirty="0"/>
               <a:t>https://systemweakness.com/ping-and-syn-flood-attacks-with-python-and-scapy-6e4515435492</a:t>
             </a:r>
+          </a:p>
+        </p:txBody>
+      </p:sp>
+      <p:sp>
+        <p:nvSpPr>
+          <p:cNvPr id="8" name="TextBox 7">
+            <a:extLst>
+              <a:ext uri="{FF2B5EF4-FFF2-40B4-BE49-F238E27FC236}">
+                <a16:creationId xmlns:a16="http://schemas.microsoft.com/office/drawing/2014/main" id="{23241BC3-6AC5-5B7F-15F3-B9DDE4650146}"/>
+              </a:ext>
+            </a:extLst>
+          </p:cNvPr>
+          <p:cNvSpPr txBox="1"/>
+          <p:nvPr/>
+        </p:nvSpPr>
+        <p:spPr>
+          <a:xfrm>
+            <a:off x="719056" y="3472447"/>
+            <a:ext cx="9788795" cy="261610"/>
+          </a:xfrm>
+          <a:prstGeom prst="rect">
+            <a:avLst/>
+          </a:prstGeom>
+          <a:noFill/>
+        </p:spPr>
+        <p:txBody>
+          <a:bodyPr wrap="square">
+            <a:spAutoFit/>
+          </a:bodyPr>
+          <a:lstStyle/>
+          <a:p>
+            <a:r>
+              <a:rPr lang="da-DK" sz="1100" dirty="0">
+                <a:latin typeface="Arial" panose="020B0604020202020204" pitchFamily="34" charset="0"/>
+                <a:cs typeface="Arial" panose="020B0604020202020204" pitchFamily="34" charset="0"/>
+              </a:rPr>
+              <a:t>wget wget https://raw.githubusercontent.com/frankwxu/digital-forensics-lab/main/Illegal_Possession_Images/lab_files/SYN_Flood/synflood.py </a:t>
+            </a:r>
+            <a:endParaRPr lang="en-US" sz="1100" dirty="0">
+              <a:latin typeface="Arial" panose="020B0604020202020204" pitchFamily="34" charset="0"/>
+              <a:cs typeface="Arial" panose="020B0604020202020204" pitchFamily="34" charset="0"/>
+            </a:endParaRPr>
           </a:p>
         </p:txBody>
       </p:sp>
